--- a/PPT/第三部分 软件测试应用/11.2 验收测试.pptx
+++ b/PPT/第三部分 软件测试应用/11.2 验收测试.pptx
@@ -6466,63 +6466,7 @@
           <a:lstStyle/>
           <a:p>
             <a:pPr marL="0" lvl="1"/>
-            <a:r>
-              <a:rPr lang="zh-CN" altLang="en-US" b="1" smtClean="0">
-                <a:latin typeface="Arial" pitchFamily="34" charset="0"/>
-              </a:rPr>
-              <a:t>很多软件都有</a:t>
-            </a:r>
-            <a:r>
-              <a:rPr lang="en-US" altLang="zh-CN" b="1" smtClean="0">
-                <a:latin typeface="Arial" pitchFamily="34" charset="0"/>
-              </a:rPr>
-              <a:t>beta</a:t>
-            </a:r>
-            <a:r>
-              <a:rPr lang="zh-CN" altLang="en-US" b="1" smtClean="0">
-                <a:latin typeface="Arial" pitchFamily="34" charset="0"/>
-              </a:rPr>
-              <a:t>版，比如</a:t>
-            </a:r>
-            <a:r>
-              <a:rPr lang="en-US" altLang="zh-CN" b="1" smtClean="0">
-                <a:latin typeface="Arial" pitchFamily="34" charset="0"/>
-              </a:rPr>
-              <a:t>QQ2005beta</a:t>
-            </a:r>
-            <a:r>
-              <a:rPr lang="zh-CN" altLang="en-US" b="1" smtClean="0">
-                <a:latin typeface="Arial" pitchFamily="34" charset="0"/>
-              </a:rPr>
-              <a:t>版，网络游戏的</a:t>
-            </a:r>
-            <a:r>
-              <a:rPr lang="en-US" altLang="zh-CN" b="1" smtClean="0">
-                <a:latin typeface="Arial" pitchFamily="34" charset="0"/>
-              </a:rPr>
-              <a:t>β</a:t>
-            </a:r>
-            <a:r>
-              <a:rPr lang="zh-CN" altLang="en-US" b="1" smtClean="0">
-                <a:latin typeface="Arial" pitchFamily="34" charset="0"/>
-              </a:rPr>
-              <a:t>测试（星际</a:t>
-            </a:r>
-            <a:r>
-              <a:rPr lang="en-US" altLang="zh-CN" b="1" smtClean="0">
-                <a:latin typeface="Arial" pitchFamily="34" charset="0"/>
-              </a:rPr>
-              <a:t>2</a:t>
-            </a:r>
-            <a:r>
-              <a:rPr lang="zh-CN" altLang="en-US" b="1" smtClean="0">
-                <a:latin typeface="Arial" pitchFamily="34" charset="0"/>
-              </a:rPr>
-              <a:t>）等</a:t>
-            </a:r>
-          </a:p>
-          <a:p>
-            <a:endParaRPr lang="zh-CN" altLang="en-US" smtClean="0">
+            <a:endParaRPr lang="zh-CN" altLang="en-US" dirty="0" smtClean="0">
               <a:latin typeface="Arial" pitchFamily="34" charset="0"/>
             </a:endParaRPr>
           </a:p>
@@ -11121,6 +11065,13 @@
   <p:transition>
     <p:blinds dir="vert"/>
   </p:transition>
+  <p:timing>
+    <p:tnLst>
+      <p:par>
+        <p:cTn id="1" dur="indefinite" restart="never" nodeType="tmRoot"/>
+      </p:par>
+    </p:tnLst>
+  </p:timing>
 </p:sld>
 </file>
 
@@ -12870,6 +12821,13 @@
   <p:transition>
     <p:blinds dir="vert"/>
   </p:transition>
+  <p:timing>
+    <p:tnLst>
+      <p:par>
+        <p:cTn id="1" dur="indefinite" restart="never" nodeType="tmRoot"/>
+      </p:par>
+    </p:tnLst>
+  </p:timing>
 </p:sld>
 </file>
 
@@ -12919,7 +12877,7 @@
             <p:ph idx="1"/>
             <p:extLst>
               <p:ext uri="{D42A27DB-BD31-4B8C-83A1-F6EECF244321}">
-                <p14:modId xmlns:p14="http://schemas.microsoft.com/office/powerpoint/2010/main" val="2755949193"/>
+                <p14:modId xmlns:p14="http://schemas.microsoft.com/office/powerpoint/2010/main" val="1464589072"/>
               </p:ext>
             </p:extLst>
           </p:nvPr>
@@ -14421,7 +14379,7 @@
                     <a:p>
                       <a:pPr marL="0" algn="l" defTabSz="914400" rtl="0" eaLnBrk="1" latinLnBrk="0" hangingPunct="1"/>
                       <a:r>
-                        <a:rPr lang="en-US" altLang="zh-CN" sz="1800" b="1" kern="1200" dirty="0" smtClean="0">
+                        <a:rPr lang="en-US" altLang="zh-CN" sz="1800" b="1" kern="1200" smtClean="0">
                           <a:solidFill>
                             <a:schemeClr val="dk1"/>
                           </a:solidFill>
@@ -14429,7 +14387,7 @@
                           <a:ea typeface="+mn-ea"/>
                           <a:cs typeface="+mn-cs"/>
                         </a:rPr>
-                        <a:t>4</a:t>
+                        <a:t>5</a:t>
                       </a:r>
                       <a:endParaRPr lang="zh-CN" altLang="en-US" sz="1800" b="1" kern="1200" dirty="0">
                         <a:solidFill>
@@ -15360,10 +15318,6 @@
               </a:rPr>
               <a:t>验收测试</a:t>
             </a:r>
-            <a:endParaRPr lang="zh-CN" altLang="en-US" b="1" dirty="0" smtClean="0">
-              <a:latin typeface="黑体" pitchFamily="49" charset="-122"/>
-              <a:ea typeface="黑体" pitchFamily="49" charset="-122"/>
-            </a:endParaRPr>
           </a:p>
         </p:txBody>
       </p:sp>
@@ -18005,6 +17959,13 @@
   <p:transition>
     <p:blinds dir="vert"/>
   </p:transition>
+  <p:timing>
+    <p:tnLst>
+      <p:par>
+        <p:cTn id="1" dur="indefinite" restart="never" nodeType="tmRoot"/>
+      </p:par>
+    </p:tnLst>
+  </p:timing>
 </p:sld>
 </file>
 
